--- a/ISW2_ML_for_SE_Deliverable_0306352.pptx
+++ b/ISW2_ML_for_SE_Deliverable_0306352.pptx
@@ -4,6 +4,9 @@
   <p:sldMasterIdLst>
     <p:sldMasterId id="2147483706" r:id="rId1"/>
   </p:sldMasterIdLst>
+  <p:notesMasterIdLst>
+    <p:notesMasterId r:id="rId24"/>
+  </p:notesMasterIdLst>
   <p:sldIdLst>
     <p:sldId id="256" r:id="rId2"/>
     <p:sldId id="257" r:id="rId3"/>
@@ -1934,6 +1937,355 @@
 </pc:chgInfo>
 </file>
 
+<file path=ppt/notesMasters/notesMaster1.xml><?xml version="1.0" encoding="utf-8"?>
+<p:notesMaster xmlns:a="http://schemas.openxmlformats.org/drawingml/2006/main" xmlns:r="http://schemas.openxmlformats.org/officeDocument/2006/relationships" xmlns:p="http://schemas.openxmlformats.org/presentationml/2006/main">
+  <p:cSld>
+    <p:bg>
+      <p:bgRef idx="1001">
+        <a:schemeClr val="bg1"/>
+      </p:bgRef>
+    </p:bg>
+    <p:spTree>
+      <p:nvGrpSpPr>
+        <p:cNvPr id="1" name=""/>
+        <p:cNvGrpSpPr/>
+        <p:nvPr/>
+      </p:nvGrpSpPr>
+      <p:grpSpPr>
+        <a:xfrm>
+          <a:off x="0" y="0"/>
+          <a:ext cx="0" cy="0"/>
+          <a:chOff x="0" y="0"/>
+          <a:chExt cx="0" cy="0"/>
+        </a:xfrm>
+      </p:grpSpPr>
+      <p:sp>
+        <p:nvSpPr>
+          <p:cNvPr id="2" name="Segnaposto intestazione 1"/>
+          <p:cNvSpPr>
+            <a:spLocks noGrp="1"/>
+          </p:cNvSpPr>
+          <p:nvPr>
+            <p:ph type="hdr" sz="quarter"/>
+          </p:nvPr>
+        </p:nvSpPr>
+        <p:spPr>
+          <a:xfrm>
+            <a:off x="0" y="0"/>
+            <a:ext cx="2971800" cy="458788"/>
+          </a:xfrm>
+          <a:prstGeom prst="rect">
+            <a:avLst/>
+          </a:prstGeom>
+        </p:spPr>
+        <p:txBody>
+          <a:bodyPr vert="horz" lIns="91440" tIns="45720" rIns="91440" bIns="45720" rtlCol="0"/>
+          <a:lstStyle>
+            <a:lvl1pPr algn="l">
+              <a:defRPr sz="1200"/>
+            </a:lvl1pPr>
+          </a:lstStyle>
+          <a:p>
+            <a:endParaRPr lang="it-IT"/>
+          </a:p>
+        </p:txBody>
+      </p:sp>
+      <p:sp>
+        <p:nvSpPr>
+          <p:cNvPr id="3" name="Segnaposto data 2"/>
+          <p:cNvSpPr>
+            <a:spLocks noGrp="1"/>
+          </p:cNvSpPr>
+          <p:nvPr>
+            <p:ph type="dt" idx="1"/>
+          </p:nvPr>
+        </p:nvSpPr>
+        <p:spPr>
+          <a:xfrm>
+            <a:off x="3884613" y="0"/>
+            <a:ext cx="2971800" cy="458788"/>
+          </a:xfrm>
+          <a:prstGeom prst="rect">
+            <a:avLst/>
+          </a:prstGeom>
+        </p:spPr>
+        <p:txBody>
+          <a:bodyPr vert="horz" lIns="91440" tIns="45720" rIns="91440" bIns="45720" rtlCol="0"/>
+          <a:lstStyle>
+            <a:lvl1pPr algn="r">
+              <a:defRPr sz="1200"/>
+            </a:lvl1pPr>
+          </a:lstStyle>
+          <a:p>
+            <a:fld id="{53D6EB8B-5FF7-411D-80FA-46F36D799D96}" type="datetimeFigureOut">
+              <a:rPr lang="it-IT" smtClean="0"/>
+              <a:t>19/06/2022</a:t>
+            </a:fld>
+            <a:endParaRPr lang="it-IT"/>
+          </a:p>
+        </p:txBody>
+      </p:sp>
+      <p:sp>
+        <p:nvSpPr>
+          <p:cNvPr id="4" name="Segnaposto immagine diapositiva 3"/>
+          <p:cNvSpPr>
+            <a:spLocks noGrp="1" noRot="1" noChangeAspect="1"/>
+          </p:cNvSpPr>
+          <p:nvPr>
+            <p:ph type="sldImg" idx="2"/>
+          </p:nvPr>
+        </p:nvSpPr>
+        <p:spPr>
+          <a:xfrm>
+            <a:off x="685800" y="1143000"/>
+            <a:ext cx="5486400" cy="3086100"/>
+          </a:xfrm>
+          <a:prstGeom prst="rect">
+            <a:avLst/>
+          </a:prstGeom>
+          <a:noFill/>
+          <a:ln w="12700">
+            <a:solidFill>
+              <a:prstClr val="black"/>
+            </a:solidFill>
+          </a:ln>
+        </p:spPr>
+        <p:txBody>
+          <a:bodyPr vert="horz" lIns="91440" tIns="45720" rIns="91440" bIns="45720" rtlCol="0" anchor="ctr"/>
+          <a:lstStyle/>
+          <a:p>
+            <a:endParaRPr lang="it-IT"/>
+          </a:p>
+        </p:txBody>
+      </p:sp>
+      <p:sp>
+        <p:nvSpPr>
+          <p:cNvPr id="5" name="Segnaposto note 4"/>
+          <p:cNvSpPr>
+            <a:spLocks noGrp="1"/>
+          </p:cNvSpPr>
+          <p:nvPr>
+            <p:ph type="body" sz="quarter" idx="3"/>
+          </p:nvPr>
+        </p:nvSpPr>
+        <p:spPr>
+          <a:xfrm>
+            <a:off x="685800" y="4400550"/>
+            <a:ext cx="5486400" cy="3600450"/>
+          </a:xfrm>
+          <a:prstGeom prst="rect">
+            <a:avLst/>
+          </a:prstGeom>
+        </p:spPr>
+        <p:txBody>
+          <a:bodyPr vert="horz" lIns="91440" tIns="45720" rIns="91440" bIns="45720" rtlCol="0"/>
+          <a:lstStyle/>
+          <a:p>
+            <a:pPr lvl="0"/>
+            <a:r>
+              <a:rPr lang="it-IT"/>
+              <a:t>Fare clic per modificare gli stili del testo dello schema</a:t>
+            </a:r>
+          </a:p>
+          <a:p>
+            <a:pPr lvl="1"/>
+            <a:r>
+              <a:rPr lang="it-IT"/>
+              <a:t>Secondo livello</a:t>
+            </a:r>
+          </a:p>
+          <a:p>
+            <a:pPr lvl="2"/>
+            <a:r>
+              <a:rPr lang="it-IT"/>
+              <a:t>Terzo livello</a:t>
+            </a:r>
+          </a:p>
+          <a:p>
+            <a:pPr lvl="3"/>
+            <a:r>
+              <a:rPr lang="it-IT"/>
+              <a:t>Quarto livello</a:t>
+            </a:r>
+          </a:p>
+          <a:p>
+            <a:pPr lvl="4"/>
+            <a:r>
+              <a:rPr lang="it-IT"/>
+              <a:t>Quinto livello</a:t>
+            </a:r>
+          </a:p>
+        </p:txBody>
+      </p:sp>
+      <p:sp>
+        <p:nvSpPr>
+          <p:cNvPr id="6" name="Segnaposto piè di pagina 5"/>
+          <p:cNvSpPr>
+            <a:spLocks noGrp="1"/>
+          </p:cNvSpPr>
+          <p:nvPr>
+            <p:ph type="ftr" sz="quarter" idx="4"/>
+          </p:nvPr>
+        </p:nvSpPr>
+        <p:spPr>
+          <a:xfrm>
+            <a:off x="0" y="8685213"/>
+            <a:ext cx="2971800" cy="458787"/>
+          </a:xfrm>
+          <a:prstGeom prst="rect">
+            <a:avLst/>
+          </a:prstGeom>
+        </p:spPr>
+        <p:txBody>
+          <a:bodyPr vert="horz" lIns="91440" tIns="45720" rIns="91440" bIns="45720" rtlCol="0" anchor="b"/>
+          <a:lstStyle>
+            <a:lvl1pPr algn="l">
+              <a:defRPr sz="1200"/>
+            </a:lvl1pPr>
+          </a:lstStyle>
+          <a:p>
+            <a:endParaRPr lang="it-IT"/>
+          </a:p>
+        </p:txBody>
+      </p:sp>
+      <p:sp>
+        <p:nvSpPr>
+          <p:cNvPr id="7" name="Segnaposto numero diapositiva 6"/>
+          <p:cNvSpPr>
+            <a:spLocks noGrp="1"/>
+          </p:cNvSpPr>
+          <p:nvPr>
+            <p:ph type="sldNum" sz="quarter" idx="5"/>
+          </p:nvPr>
+        </p:nvSpPr>
+        <p:spPr>
+          <a:xfrm>
+            <a:off x="3884613" y="8685213"/>
+            <a:ext cx="2971800" cy="458787"/>
+          </a:xfrm>
+          <a:prstGeom prst="rect">
+            <a:avLst/>
+          </a:prstGeom>
+        </p:spPr>
+        <p:txBody>
+          <a:bodyPr vert="horz" lIns="91440" tIns="45720" rIns="91440" bIns="45720" rtlCol="0" anchor="b"/>
+          <a:lstStyle>
+            <a:lvl1pPr algn="r">
+              <a:defRPr sz="1200"/>
+            </a:lvl1pPr>
+          </a:lstStyle>
+          <a:p>
+            <a:fld id="{0BDB3898-7F9F-487D-97CD-958FF20A4D74}" type="slidenum">
+              <a:rPr lang="it-IT" smtClean="0"/>
+              <a:t>‹N›</a:t>
+            </a:fld>
+            <a:endParaRPr lang="it-IT"/>
+          </a:p>
+        </p:txBody>
+      </p:sp>
+    </p:spTree>
+    <p:extLst>
+      <p:ext uri="{BB962C8B-B14F-4D97-AF65-F5344CB8AC3E}">
+        <p14:creationId xmlns:p14="http://schemas.microsoft.com/office/powerpoint/2010/main" val="1089422675"/>
+      </p:ext>
+    </p:extLst>
+  </p:cSld>
+  <p:clrMap bg1="lt1" tx1="dk1" bg2="lt2" tx2="dk2" accent1="accent1" accent2="accent2" accent3="accent3" accent4="accent4" accent5="accent5" accent6="accent6" hlink="hlink" folHlink="folHlink"/>
+  <p:notesStyle>
+    <a:lvl1pPr marL="0" algn="l" defTabSz="914400" rtl="0" eaLnBrk="1" latinLnBrk="0" hangingPunct="1">
+      <a:defRPr sz="1200" kern="1200">
+        <a:solidFill>
+          <a:schemeClr val="tx1"/>
+        </a:solidFill>
+        <a:latin typeface="+mn-lt"/>
+        <a:ea typeface="+mn-ea"/>
+        <a:cs typeface="+mn-cs"/>
+      </a:defRPr>
+    </a:lvl1pPr>
+    <a:lvl2pPr marL="457200" algn="l" defTabSz="914400" rtl="0" eaLnBrk="1" latinLnBrk="0" hangingPunct="1">
+      <a:defRPr sz="1200" kern="1200">
+        <a:solidFill>
+          <a:schemeClr val="tx1"/>
+        </a:solidFill>
+        <a:latin typeface="+mn-lt"/>
+        <a:ea typeface="+mn-ea"/>
+        <a:cs typeface="+mn-cs"/>
+      </a:defRPr>
+    </a:lvl2pPr>
+    <a:lvl3pPr marL="914400" algn="l" defTabSz="914400" rtl="0" eaLnBrk="1" latinLnBrk="0" hangingPunct="1">
+      <a:defRPr sz="1200" kern="1200">
+        <a:solidFill>
+          <a:schemeClr val="tx1"/>
+        </a:solidFill>
+        <a:latin typeface="+mn-lt"/>
+        <a:ea typeface="+mn-ea"/>
+        <a:cs typeface="+mn-cs"/>
+      </a:defRPr>
+    </a:lvl3pPr>
+    <a:lvl4pPr marL="1371600" algn="l" defTabSz="914400" rtl="0" eaLnBrk="1" latinLnBrk="0" hangingPunct="1">
+      <a:defRPr sz="1200" kern="1200">
+        <a:solidFill>
+          <a:schemeClr val="tx1"/>
+        </a:solidFill>
+        <a:latin typeface="+mn-lt"/>
+        <a:ea typeface="+mn-ea"/>
+        <a:cs typeface="+mn-cs"/>
+      </a:defRPr>
+    </a:lvl4pPr>
+    <a:lvl5pPr marL="1828800" algn="l" defTabSz="914400" rtl="0" eaLnBrk="1" latinLnBrk="0" hangingPunct="1">
+      <a:defRPr sz="1200" kern="1200">
+        <a:solidFill>
+          <a:schemeClr val="tx1"/>
+        </a:solidFill>
+        <a:latin typeface="+mn-lt"/>
+        <a:ea typeface="+mn-ea"/>
+        <a:cs typeface="+mn-cs"/>
+      </a:defRPr>
+    </a:lvl5pPr>
+    <a:lvl6pPr marL="2286000" algn="l" defTabSz="914400" rtl="0" eaLnBrk="1" latinLnBrk="0" hangingPunct="1">
+      <a:defRPr sz="1200" kern="1200">
+        <a:solidFill>
+          <a:schemeClr val="tx1"/>
+        </a:solidFill>
+        <a:latin typeface="+mn-lt"/>
+        <a:ea typeface="+mn-ea"/>
+        <a:cs typeface="+mn-cs"/>
+      </a:defRPr>
+    </a:lvl6pPr>
+    <a:lvl7pPr marL="2743200" algn="l" defTabSz="914400" rtl="0" eaLnBrk="1" latinLnBrk="0" hangingPunct="1">
+      <a:defRPr sz="1200" kern="1200">
+        <a:solidFill>
+          <a:schemeClr val="tx1"/>
+        </a:solidFill>
+        <a:latin typeface="+mn-lt"/>
+        <a:ea typeface="+mn-ea"/>
+        <a:cs typeface="+mn-cs"/>
+      </a:defRPr>
+    </a:lvl7pPr>
+    <a:lvl8pPr marL="3200400" algn="l" defTabSz="914400" rtl="0" eaLnBrk="1" latinLnBrk="0" hangingPunct="1">
+      <a:defRPr sz="1200" kern="1200">
+        <a:solidFill>
+          <a:schemeClr val="tx1"/>
+        </a:solidFill>
+        <a:latin typeface="+mn-lt"/>
+        <a:ea typeface="+mn-ea"/>
+        <a:cs typeface="+mn-cs"/>
+      </a:defRPr>
+    </a:lvl8pPr>
+    <a:lvl9pPr marL="3657600" algn="l" defTabSz="914400" rtl="0" eaLnBrk="1" latinLnBrk="0" hangingPunct="1">
+      <a:defRPr sz="1200" kern="1200">
+        <a:solidFill>
+          <a:schemeClr val="tx1"/>
+        </a:solidFill>
+        <a:latin typeface="+mn-lt"/>
+        <a:ea typeface="+mn-ea"/>
+        <a:cs typeface="+mn-cs"/>
+      </a:defRPr>
+    </a:lvl9pPr>
+  </p:notesStyle>
+</p:notesMaster>
+</file>
+
 <file path=ppt/slideLayouts/slideLayout1.xml><?xml version="1.0" encoding="utf-8"?>
 <p:sldLayout xmlns:a="http://schemas.openxmlformats.org/drawingml/2006/main" xmlns:r="http://schemas.openxmlformats.org/officeDocument/2006/relationships" xmlns:p="http://schemas.openxmlformats.org/presentationml/2006/main" showMasterSp="0" type="title" preserve="1">
   <p:cSld name="Diapositiva titolo">
@@ -2101,7 +2453,7 @@
             </a:lvl1pPr>
           </a:lstStyle>
           <a:p>
-            <a:fld id="{A0478784-D57A-446C-BB81-67B2915B010A}" type="datetimeFigureOut">
+            <a:fld id="{EF0C9DD4-CDCB-4899-A1E7-354ADFEDF7F1}" type="datetime1">
               <a:rPr lang="en-US" smtClean="0"/>
               <a:t>6/19/2022</a:t>
             </a:fld>
@@ -2431,7 +2783,7 @@
           <a:bodyPr/>
           <a:lstStyle/>
           <a:p>
-            <a:fld id="{A0478784-D57A-446C-BB81-67B2915B010A}" type="datetimeFigureOut">
+            <a:fld id="{28807F2A-0548-4D23-BF84-CD08972B2560}" type="datetime1">
               <a:rPr lang="en-US" smtClean="0"/>
               <a:t>6/19/2022</a:t>
             </a:fld>
@@ -2611,7 +2963,7 @@
           <a:bodyPr/>
           <a:lstStyle/>
           <a:p>
-            <a:fld id="{A0478784-D57A-446C-BB81-67B2915B010A}" type="datetimeFigureOut">
+            <a:fld id="{949C07EF-6C47-4900-89D5-B57C281253A1}" type="datetime1">
               <a:rPr lang="en-US" smtClean="0"/>
               <a:t>6/19/2022</a:t>
             </a:fld>
@@ -2781,7 +3133,7 @@
           <a:bodyPr/>
           <a:lstStyle/>
           <a:p>
-            <a:fld id="{A0478784-D57A-446C-BB81-67B2915B010A}" type="datetimeFigureOut">
+            <a:fld id="{3DD8709C-EE95-4DE6-83F2-ECCCDA7283D3}" type="datetime1">
               <a:rPr lang="en-US" smtClean="0"/>
               <a:t>6/19/2022</a:t>
             </a:fld>
@@ -3058,7 +3410,7 @@
             </a:lvl1pPr>
           </a:lstStyle>
           <a:p>
-            <a:fld id="{A0478784-D57A-446C-BB81-67B2915B010A}" type="datetimeFigureOut">
+            <a:fld id="{5864FFE8-C941-4059-9EC1-AAF328EFBD75}" type="datetime1">
               <a:rPr lang="en-US" smtClean="0"/>
               <a:t>6/19/2022</a:t>
             </a:fld>
@@ -3452,7 +3804,7 @@
           <a:bodyPr/>
           <a:lstStyle/>
           <a:p>
-            <a:fld id="{A0478784-D57A-446C-BB81-67B2915B010A}" type="datetimeFigureOut">
+            <a:fld id="{286BE4D3-5853-4B52-A81F-6C4FAA1C591D}" type="datetime1">
               <a:rPr lang="en-US" smtClean="0"/>
               <a:t>6/19/2022</a:t>
             </a:fld>
@@ -3929,7 +4281,7 @@
           <a:bodyPr/>
           <a:lstStyle/>
           <a:p>
-            <a:fld id="{A0478784-D57A-446C-BB81-67B2915B010A}" type="datetimeFigureOut">
+            <a:fld id="{F18944CA-3C9F-4E78-A476-3D2D039CF4F1}" type="datetime1">
               <a:rPr lang="en-US" smtClean="0"/>
               <a:t>6/19/2022</a:t>
             </a:fld>
@@ -4047,7 +4399,7 @@
           <a:bodyPr/>
           <a:lstStyle/>
           <a:p>
-            <a:fld id="{A0478784-D57A-446C-BB81-67B2915B010A}" type="datetimeFigureOut">
+            <a:fld id="{E38B681A-6BC0-40FE-B332-465D8988A1D2}" type="datetime1">
               <a:rPr lang="en-US" smtClean="0"/>
               <a:t>6/19/2022</a:t>
             </a:fld>
@@ -4142,7 +4494,7 @@
           <a:bodyPr/>
           <a:lstStyle/>
           <a:p>
-            <a:fld id="{A0478784-D57A-446C-BB81-67B2915B010A}" type="datetimeFigureOut">
+            <a:fld id="{4FB008A9-DA0C-4627-B219-658BE5D3E4EB}" type="datetime1">
               <a:rPr lang="en-US" smtClean="0"/>
               <a:t>6/19/2022</a:t>
             </a:fld>
@@ -4488,7 +4840,7 @@
             </a:lvl1pPr>
           </a:lstStyle>
           <a:p>
-            <a:fld id="{A0478784-D57A-446C-BB81-67B2915B010A}" type="datetimeFigureOut">
+            <a:fld id="{0019826D-6A6A-4901-A23B-1E1F1CD9F6FC}" type="datetime1">
               <a:rPr lang="en-US" smtClean="0"/>
               <a:t>6/19/2022</a:t>
             </a:fld>
@@ -4876,7 +5228,7 @@
             </a:lvl1pPr>
           </a:lstStyle>
           <a:p>
-            <a:fld id="{A0478784-D57A-446C-BB81-67B2915B010A}" type="datetimeFigureOut">
+            <a:fld id="{3C00BA22-23BC-43C8-B05C-AB77F7F4DE59}" type="datetime1">
               <a:rPr lang="en-US" smtClean="0"/>
               <a:t>6/19/2022</a:t>
             </a:fld>
@@ -5154,7 +5506,7 @@
             </a:lvl1pPr>
           </a:lstStyle>
           <a:p>
-            <a:fld id="{A0478784-D57A-446C-BB81-67B2915B010A}" type="datetimeFigureOut">
+            <a:fld id="{60D52B62-8B5B-415D-A9E6-629CD0D5EA8D}" type="datetime1">
               <a:rPr lang="en-US" smtClean="0"/>
               <a:t>6/19/2022</a:t>
             </a:fld>
@@ -5295,6 +5647,7 @@
     <p:sldLayoutId id="2147483716" r:id="rId10"/>
     <p:sldLayoutId id="2147483717" r:id="rId11"/>
   </p:sldLayoutIdLst>
+  <p:hf hdr="0" ftr="0" dt="0"/>
   <p:txStyles>
     <p:titleStyle>
       <a:lvl1pPr algn="l" defTabSz="914400" rtl="0" eaLnBrk="1" latinLnBrk="0" hangingPunct="1">
@@ -5982,6 +6335,35 @@
           </a:p>
         </p:txBody>
       </p:sp>
+      <p:sp>
+        <p:nvSpPr>
+          <p:cNvPr id="5" name="Segnaposto numero diapositiva 4">
+            <a:extLst>
+              <a:ext uri="{FF2B5EF4-FFF2-40B4-BE49-F238E27FC236}">
+                <a16:creationId xmlns:a16="http://schemas.microsoft.com/office/drawing/2014/main" id="{B667A402-85C5-3C76-C07F-A86E98454E47}"/>
+              </a:ext>
+            </a:extLst>
+          </p:cNvPr>
+          <p:cNvSpPr>
+            <a:spLocks noGrp="1"/>
+          </p:cNvSpPr>
+          <p:nvPr>
+            <p:ph type="sldNum" sz="quarter" idx="12"/>
+          </p:nvPr>
+        </p:nvSpPr>
+        <p:spPr/>
+        <p:txBody>
+          <a:bodyPr/>
+          <a:lstStyle/>
+          <a:p>
+            <a:fld id="{56E4E576-B3B0-4F31-AB19-2292122F2AB4}" type="slidenum">
+              <a:rPr lang="en-US" smtClean="0"/>
+              <a:t>1</a:t>
+            </a:fld>
+            <a:endParaRPr lang="en-US"/>
+          </a:p>
+        </p:txBody>
+      </p:sp>
     </p:spTree>
     <p:extLst>
       <p:ext uri="{BB962C8B-B14F-4D97-AF65-F5344CB8AC3E}">
@@ -6266,6 +6648,35 @@
               </a:solidFill>
               <a:latin typeface="Calibri" panose="020F0502020204030204" pitchFamily="34" charset="0"/>
             </a:endParaRPr>
+          </a:p>
+        </p:txBody>
+      </p:sp>
+      <p:sp>
+        <p:nvSpPr>
+          <p:cNvPr id="4" name="Segnaposto numero diapositiva 3">
+            <a:extLst>
+              <a:ext uri="{FF2B5EF4-FFF2-40B4-BE49-F238E27FC236}">
+                <a16:creationId xmlns:a16="http://schemas.microsoft.com/office/drawing/2014/main" id="{6F942738-A28D-996D-946F-2417C9CEB24B}"/>
+              </a:ext>
+            </a:extLst>
+          </p:cNvPr>
+          <p:cNvSpPr>
+            <a:spLocks noGrp="1"/>
+          </p:cNvSpPr>
+          <p:nvPr>
+            <p:ph type="sldNum" sz="quarter" idx="12"/>
+          </p:nvPr>
+        </p:nvSpPr>
+        <p:spPr/>
+        <p:txBody>
+          <a:bodyPr/>
+          <a:lstStyle/>
+          <a:p>
+            <a:fld id="{56E4E576-B3B0-4F31-AB19-2292122F2AB4}" type="slidenum">
+              <a:rPr lang="en-US" smtClean="0"/>
+              <a:t>10</a:t>
+            </a:fld>
+            <a:endParaRPr lang="en-US"/>
           </a:p>
         </p:txBody>
       </p:sp>
@@ -6720,6 +7131,35 @@
           </a:p>
         </p:txBody>
       </p:sp>
+      <p:sp>
+        <p:nvSpPr>
+          <p:cNvPr id="5" name="Segnaposto numero diapositiva 4">
+            <a:extLst>
+              <a:ext uri="{FF2B5EF4-FFF2-40B4-BE49-F238E27FC236}">
+                <a16:creationId xmlns:a16="http://schemas.microsoft.com/office/drawing/2014/main" id="{B1F866F7-03EC-74A9-4F5E-0A3F4E8FE655}"/>
+              </a:ext>
+            </a:extLst>
+          </p:cNvPr>
+          <p:cNvSpPr>
+            <a:spLocks noGrp="1"/>
+          </p:cNvSpPr>
+          <p:nvPr>
+            <p:ph type="sldNum" sz="quarter" idx="12"/>
+          </p:nvPr>
+        </p:nvSpPr>
+        <p:spPr/>
+        <p:txBody>
+          <a:bodyPr/>
+          <a:lstStyle/>
+          <a:p>
+            <a:fld id="{56E4E576-B3B0-4F31-AB19-2292122F2AB4}" type="slidenum">
+              <a:rPr lang="en-US" smtClean="0"/>
+              <a:t>11</a:t>
+            </a:fld>
+            <a:endParaRPr lang="en-US"/>
+          </a:p>
+        </p:txBody>
+      </p:sp>
     </p:spTree>
     <p:extLst>
       <p:ext uri="{BB962C8B-B14F-4D97-AF65-F5344CB8AC3E}">
@@ -7041,6 +7481,35 @@
               <a:rPr lang="it-IT" dirty="0"/>
               <a:t>Allo stesso tempo, però, tende ad avvantaggiare, per natura, la predizione su un test set basato sull’ultima release considerata.</a:t>
             </a:r>
+          </a:p>
+        </p:txBody>
+      </p:sp>
+      <p:sp>
+        <p:nvSpPr>
+          <p:cNvPr id="3" name="Segnaposto numero diapositiva 2">
+            <a:extLst>
+              <a:ext uri="{FF2B5EF4-FFF2-40B4-BE49-F238E27FC236}">
+                <a16:creationId xmlns:a16="http://schemas.microsoft.com/office/drawing/2014/main" id="{DAA06D95-673F-1497-6440-BA49FE36E8D9}"/>
+              </a:ext>
+            </a:extLst>
+          </p:cNvPr>
+          <p:cNvSpPr>
+            <a:spLocks noGrp="1"/>
+          </p:cNvSpPr>
+          <p:nvPr>
+            <p:ph type="sldNum" sz="quarter" idx="12"/>
+          </p:nvPr>
+        </p:nvSpPr>
+        <p:spPr/>
+        <p:txBody>
+          <a:bodyPr/>
+          <a:lstStyle/>
+          <a:p>
+            <a:fld id="{56E4E576-B3B0-4F31-AB19-2292122F2AB4}" type="slidenum">
+              <a:rPr lang="en-US" smtClean="0"/>
+              <a:t>12</a:t>
+            </a:fld>
+            <a:endParaRPr lang="en-US"/>
           </a:p>
         </p:txBody>
       </p:sp>
@@ -7355,6 +7824,35 @@
           </a:p>
         </p:txBody>
       </p:sp>
+      <p:sp>
+        <p:nvSpPr>
+          <p:cNvPr id="2" name="Segnaposto numero diapositiva 1">
+            <a:extLst>
+              <a:ext uri="{FF2B5EF4-FFF2-40B4-BE49-F238E27FC236}">
+                <a16:creationId xmlns:a16="http://schemas.microsoft.com/office/drawing/2014/main" id="{8785E164-5E5C-EB85-4409-46FFCBC92B6C}"/>
+              </a:ext>
+            </a:extLst>
+          </p:cNvPr>
+          <p:cNvSpPr>
+            <a:spLocks noGrp="1"/>
+          </p:cNvSpPr>
+          <p:nvPr>
+            <p:ph type="sldNum" sz="quarter" idx="12"/>
+          </p:nvPr>
+        </p:nvSpPr>
+        <p:spPr/>
+        <p:txBody>
+          <a:bodyPr/>
+          <a:lstStyle/>
+          <a:p>
+            <a:fld id="{56E4E576-B3B0-4F31-AB19-2292122F2AB4}" type="slidenum">
+              <a:rPr lang="en-US" smtClean="0"/>
+              <a:t>13</a:t>
+            </a:fld>
+            <a:endParaRPr lang="en-US"/>
+          </a:p>
+        </p:txBody>
+      </p:sp>
     </p:spTree>
     <p:extLst>
       <p:ext uri="{BB962C8B-B14F-4D97-AF65-F5344CB8AC3E}">
@@ -7810,6 +8308,35 @@
           </a:p>
         </p:txBody>
       </p:sp>
+      <p:sp>
+        <p:nvSpPr>
+          <p:cNvPr id="5" name="Segnaposto numero diapositiva 4">
+            <a:extLst>
+              <a:ext uri="{FF2B5EF4-FFF2-40B4-BE49-F238E27FC236}">
+                <a16:creationId xmlns:a16="http://schemas.microsoft.com/office/drawing/2014/main" id="{C787A42A-83A0-CF60-FD3F-FEEC0FA63FD4}"/>
+              </a:ext>
+            </a:extLst>
+          </p:cNvPr>
+          <p:cNvSpPr>
+            <a:spLocks noGrp="1"/>
+          </p:cNvSpPr>
+          <p:nvPr>
+            <p:ph type="sldNum" sz="quarter" idx="12"/>
+          </p:nvPr>
+        </p:nvSpPr>
+        <p:spPr/>
+        <p:txBody>
+          <a:bodyPr/>
+          <a:lstStyle/>
+          <a:p>
+            <a:fld id="{56E4E576-B3B0-4F31-AB19-2292122F2AB4}" type="slidenum">
+              <a:rPr lang="en-US" smtClean="0"/>
+              <a:t>14</a:t>
+            </a:fld>
+            <a:endParaRPr lang="en-US"/>
+          </a:p>
+        </p:txBody>
+      </p:sp>
     </p:spTree>
     <p:extLst>
       <p:ext uri="{BB962C8B-B14F-4D97-AF65-F5344CB8AC3E}">
@@ -8235,6 +8762,35 @@
           </a:p>
         </p:txBody>
       </p:sp>
+      <p:sp>
+        <p:nvSpPr>
+          <p:cNvPr id="3" name="Segnaposto numero diapositiva 2">
+            <a:extLst>
+              <a:ext uri="{FF2B5EF4-FFF2-40B4-BE49-F238E27FC236}">
+                <a16:creationId xmlns:a16="http://schemas.microsoft.com/office/drawing/2014/main" id="{EBF66102-C6EB-80A0-7C32-E39802EB79D5}"/>
+              </a:ext>
+            </a:extLst>
+          </p:cNvPr>
+          <p:cNvSpPr>
+            <a:spLocks noGrp="1"/>
+          </p:cNvSpPr>
+          <p:nvPr>
+            <p:ph type="sldNum" sz="quarter" idx="12"/>
+          </p:nvPr>
+        </p:nvSpPr>
+        <p:spPr/>
+        <p:txBody>
+          <a:bodyPr/>
+          <a:lstStyle/>
+          <a:p>
+            <a:fld id="{56E4E576-B3B0-4F31-AB19-2292122F2AB4}" type="slidenum">
+              <a:rPr lang="en-US" smtClean="0"/>
+              <a:t>15</a:t>
+            </a:fld>
+            <a:endParaRPr lang="en-US"/>
+          </a:p>
+        </p:txBody>
+      </p:sp>
     </p:spTree>
     <p:extLst>
       <p:ext uri="{BB962C8B-B14F-4D97-AF65-F5344CB8AC3E}">
@@ -8696,6 +9252,35 @@
           </a:p>
         </p:txBody>
       </p:sp>
+      <p:sp>
+        <p:nvSpPr>
+          <p:cNvPr id="4" name="Segnaposto numero diapositiva 3">
+            <a:extLst>
+              <a:ext uri="{FF2B5EF4-FFF2-40B4-BE49-F238E27FC236}">
+                <a16:creationId xmlns:a16="http://schemas.microsoft.com/office/drawing/2014/main" id="{E49B4A43-7440-E9CD-10E3-B7DFF89B9D59}"/>
+              </a:ext>
+            </a:extLst>
+          </p:cNvPr>
+          <p:cNvSpPr>
+            <a:spLocks noGrp="1"/>
+          </p:cNvSpPr>
+          <p:nvPr>
+            <p:ph type="sldNum" sz="quarter" idx="12"/>
+          </p:nvPr>
+        </p:nvSpPr>
+        <p:spPr/>
+        <p:txBody>
+          <a:bodyPr/>
+          <a:lstStyle/>
+          <a:p>
+            <a:fld id="{56E4E576-B3B0-4F31-AB19-2292122F2AB4}" type="slidenum">
+              <a:rPr lang="en-US" smtClean="0"/>
+              <a:t>16</a:t>
+            </a:fld>
+            <a:endParaRPr lang="en-US"/>
+          </a:p>
+        </p:txBody>
+      </p:sp>
     </p:spTree>
     <p:extLst>
       <p:ext uri="{BB962C8B-B14F-4D97-AF65-F5344CB8AC3E}">
@@ -9034,6 +9619,35 @@
               <a:rPr lang="it-IT" dirty="0"/>
               <a:t> quanto il primo.</a:t>
             </a:r>
+          </a:p>
+        </p:txBody>
+      </p:sp>
+      <p:sp>
+        <p:nvSpPr>
+          <p:cNvPr id="2" name="Segnaposto numero diapositiva 1">
+            <a:extLst>
+              <a:ext uri="{FF2B5EF4-FFF2-40B4-BE49-F238E27FC236}">
+                <a16:creationId xmlns:a16="http://schemas.microsoft.com/office/drawing/2014/main" id="{5582F8CA-2D6A-73FF-EF9D-91A65755BC7C}"/>
+              </a:ext>
+            </a:extLst>
+          </p:cNvPr>
+          <p:cNvSpPr>
+            <a:spLocks noGrp="1"/>
+          </p:cNvSpPr>
+          <p:nvPr>
+            <p:ph type="sldNum" sz="quarter" idx="12"/>
+          </p:nvPr>
+        </p:nvSpPr>
+        <p:spPr/>
+        <p:txBody>
+          <a:bodyPr/>
+          <a:lstStyle/>
+          <a:p>
+            <a:fld id="{56E4E576-B3B0-4F31-AB19-2292122F2AB4}" type="slidenum">
+              <a:rPr lang="en-US" smtClean="0"/>
+              <a:t>17</a:t>
+            </a:fld>
+            <a:endParaRPr lang="en-US"/>
           </a:p>
         </p:txBody>
       </p:sp>
@@ -9390,6 +10004,35 @@
           </a:p>
         </p:txBody>
       </p:sp>
+      <p:sp>
+        <p:nvSpPr>
+          <p:cNvPr id="2" name="Segnaposto numero diapositiva 1">
+            <a:extLst>
+              <a:ext uri="{FF2B5EF4-FFF2-40B4-BE49-F238E27FC236}">
+                <a16:creationId xmlns:a16="http://schemas.microsoft.com/office/drawing/2014/main" id="{90F458DC-B306-5AF5-482B-60336CDC5890}"/>
+              </a:ext>
+            </a:extLst>
+          </p:cNvPr>
+          <p:cNvSpPr>
+            <a:spLocks noGrp="1"/>
+          </p:cNvSpPr>
+          <p:nvPr>
+            <p:ph type="sldNum" sz="quarter" idx="12"/>
+          </p:nvPr>
+        </p:nvSpPr>
+        <p:spPr/>
+        <p:txBody>
+          <a:bodyPr/>
+          <a:lstStyle/>
+          <a:p>
+            <a:fld id="{56E4E576-B3B0-4F31-AB19-2292122F2AB4}" type="slidenum">
+              <a:rPr lang="en-US" smtClean="0"/>
+              <a:t>18</a:t>
+            </a:fld>
+            <a:endParaRPr lang="en-US"/>
+          </a:p>
+        </p:txBody>
+      </p:sp>
     </p:spTree>
     <p:extLst>
       <p:ext uri="{BB962C8B-B14F-4D97-AF65-F5344CB8AC3E}">
@@ -9817,6 +10460,35 @@
           </a:p>
         </p:txBody>
       </p:sp>
+      <p:sp>
+        <p:nvSpPr>
+          <p:cNvPr id="4" name="Segnaposto numero diapositiva 3">
+            <a:extLst>
+              <a:ext uri="{FF2B5EF4-FFF2-40B4-BE49-F238E27FC236}">
+                <a16:creationId xmlns:a16="http://schemas.microsoft.com/office/drawing/2014/main" id="{E69AB23D-5EB4-A054-6C55-03C66C5E0987}"/>
+              </a:ext>
+            </a:extLst>
+          </p:cNvPr>
+          <p:cNvSpPr>
+            <a:spLocks noGrp="1"/>
+          </p:cNvSpPr>
+          <p:nvPr>
+            <p:ph type="sldNum" sz="quarter" idx="12"/>
+          </p:nvPr>
+        </p:nvSpPr>
+        <p:spPr/>
+        <p:txBody>
+          <a:bodyPr/>
+          <a:lstStyle/>
+          <a:p>
+            <a:fld id="{56E4E576-B3B0-4F31-AB19-2292122F2AB4}" type="slidenum">
+              <a:rPr lang="en-US" smtClean="0"/>
+              <a:t>19</a:t>
+            </a:fld>
+            <a:endParaRPr lang="en-US"/>
+          </a:p>
+        </p:txBody>
+      </p:sp>
     </p:spTree>
     <p:extLst>
       <p:ext uri="{BB962C8B-B14F-4D97-AF65-F5344CB8AC3E}">
@@ -10094,6 +10766,35 @@
           </a:p>
           <a:p>
             <a:endParaRPr lang="en-US" sz="1800" i="0" dirty="0"/>
+          </a:p>
+        </p:txBody>
+      </p:sp>
+      <p:sp>
+        <p:nvSpPr>
+          <p:cNvPr id="4" name="Segnaposto numero diapositiva 3">
+            <a:extLst>
+              <a:ext uri="{FF2B5EF4-FFF2-40B4-BE49-F238E27FC236}">
+                <a16:creationId xmlns:a16="http://schemas.microsoft.com/office/drawing/2014/main" id="{7612B045-A91F-4BF3-11CB-31107331B195}"/>
+              </a:ext>
+            </a:extLst>
+          </p:cNvPr>
+          <p:cNvSpPr>
+            <a:spLocks noGrp="1"/>
+          </p:cNvSpPr>
+          <p:nvPr>
+            <p:ph type="sldNum" sz="quarter" idx="12"/>
+          </p:nvPr>
+        </p:nvSpPr>
+        <p:spPr/>
+        <p:txBody>
+          <a:bodyPr/>
+          <a:lstStyle/>
+          <a:p>
+            <a:fld id="{56E4E576-B3B0-4F31-AB19-2292122F2AB4}" type="slidenum">
+              <a:rPr lang="en-US" smtClean="0"/>
+              <a:t>2</a:t>
+            </a:fld>
+            <a:endParaRPr lang="en-US"/>
           </a:p>
         </p:txBody>
       </p:sp>
@@ -10462,6 +11163,35 @@
           </a:p>
         </p:txBody>
       </p:sp>
+      <p:sp>
+        <p:nvSpPr>
+          <p:cNvPr id="2" name="Segnaposto numero diapositiva 1">
+            <a:extLst>
+              <a:ext uri="{FF2B5EF4-FFF2-40B4-BE49-F238E27FC236}">
+                <a16:creationId xmlns:a16="http://schemas.microsoft.com/office/drawing/2014/main" id="{98FC7FDC-B558-9962-CFA9-5A8DEA9EAF9B}"/>
+              </a:ext>
+            </a:extLst>
+          </p:cNvPr>
+          <p:cNvSpPr>
+            <a:spLocks noGrp="1"/>
+          </p:cNvSpPr>
+          <p:nvPr>
+            <p:ph type="sldNum" sz="quarter" idx="12"/>
+          </p:nvPr>
+        </p:nvSpPr>
+        <p:spPr/>
+        <p:txBody>
+          <a:bodyPr/>
+          <a:lstStyle/>
+          <a:p>
+            <a:fld id="{56E4E576-B3B0-4F31-AB19-2292122F2AB4}" type="slidenum">
+              <a:rPr lang="en-US" smtClean="0"/>
+              <a:t>20</a:t>
+            </a:fld>
+            <a:endParaRPr lang="en-US"/>
+          </a:p>
+        </p:txBody>
+      </p:sp>
     </p:spTree>
     <p:extLst>
       <p:ext uri="{BB962C8B-B14F-4D97-AF65-F5344CB8AC3E}">
@@ -10609,6 +11339,35 @@
           </a:p>
         </p:txBody>
       </p:sp>
+      <p:sp>
+        <p:nvSpPr>
+          <p:cNvPr id="4" name="Segnaposto numero diapositiva 3">
+            <a:extLst>
+              <a:ext uri="{FF2B5EF4-FFF2-40B4-BE49-F238E27FC236}">
+                <a16:creationId xmlns:a16="http://schemas.microsoft.com/office/drawing/2014/main" id="{90132633-7229-A4B1-A4E5-DB4A1BE82C43}"/>
+              </a:ext>
+            </a:extLst>
+          </p:cNvPr>
+          <p:cNvSpPr>
+            <a:spLocks noGrp="1"/>
+          </p:cNvSpPr>
+          <p:nvPr>
+            <p:ph type="sldNum" sz="quarter" idx="12"/>
+          </p:nvPr>
+        </p:nvSpPr>
+        <p:spPr/>
+        <p:txBody>
+          <a:bodyPr/>
+          <a:lstStyle/>
+          <a:p>
+            <a:fld id="{56E4E576-B3B0-4F31-AB19-2292122F2AB4}" type="slidenum">
+              <a:rPr lang="en-US" smtClean="0"/>
+              <a:t>21</a:t>
+            </a:fld>
+            <a:endParaRPr lang="en-US"/>
+          </a:p>
+        </p:txBody>
+      </p:sp>
     </p:spTree>
     <p:extLst>
       <p:ext uri="{BB962C8B-B14F-4D97-AF65-F5344CB8AC3E}">
@@ -10798,6 +11557,35 @@
           </a:p>
         </p:txBody>
       </p:sp>
+      <p:sp>
+        <p:nvSpPr>
+          <p:cNvPr id="4" name="Segnaposto numero diapositiva 3">
+            <a:extLst>
+              <a:ext uri="{FF2B5EF4-FFF2-40B4-BE49-F238E27FC236}">
+                <a16:creationId xmlns:a16="http://schemas.microsoft.com/office/drawing/2014/main" id="{66D2A8F7-131C-1390-C278-6914A71E62D6}"/>
+              </a:ext>
+            </a:extLst>
+          </p:cNvPr>
+          <p:cNvSpPr>
+            <a:spLocks noGrp="1"/>
+          </p:cNvSpPr>
+          <p:nvPr>
+            <p:ph type="sldNum" sz="quarter" idx="12"/>
+          </p:nvPr>
+        </p:nvSpPr>
+        <p:spPr/>
+        <p:txBody>
+          <a:bodyPr/>
+          <a:lstStyle/>
+          <a:p>
+            <a:fld id="{56E4E576-B3B0-4F31-AB19-2292122F2AB4}" type="slidenum">
+              <a:rPr lang="en-US" smtClean="0"/>
+              <a:t>22</a:t>
+            </a:fld>
+            <a:endParaRPr lang="en-US"/>
+          </a:p>
+        </p:txBody>
+      </p:sp>
     </p:spTree>
     <p:extLst>
       <p:ext uri="{BB962C8B-B14F-4D97-AF65-F5344CB8AC3E}">
@@ -11382,6 +12170,35 @@
           </a:p>
         </p:txBody>
       </p:sp>
+      <p:sp>
+        <p:nvSpPr>
+          <p:cNvPr id="4" name="Segnaposto numero diapositiva 3">
+            <a:extLst>
+              <a:ext uri="{FF2B5EF4-FFF2-40B4-BE49-F238E27FC236}">
+                <a16:creationId xmlns:a16="http://schemas.microsoft.com/office/drawing/2014/main" id="{D863F3D1-C7CC-6FCD-F9E8-694344EA1703}"/>
+              </a:ext>
+            </a:extLst>
+          </p:cNvPr>
+          <p:cNvSpPr>
+            <a:spLocks noGrp="1"/>
+          </p:cNvSpPr>
+          <p:nvPr>
+            <p:ph type="sldNum" sz="quarter" idx="12"/>
+          </p:nvPr>
+        </p:nvSpPr>
+        <p:spPr/>
+        <p:txBody>
+          <a:bodyPr/>
+          <a:lstStyle/>
+          <a:p>
+            <a:fld id="{56E4E576-B3B0-4F31-AB19-2292122F2AB4}" type="slidenum">
+              <a:rPr lang="en-US" smtClean="0"/>
+              <a:t>3</a:t>
+            </a:fld>
+            <a:endParaRPr lang="en-US"/>
+          </a:p>
+        </p:txBody>
+      </p:sp>
     </p:spTree>
     <p:extLst>
       <p:ext uri="{BB962C8B-B14F-4D97-AF65-F5344CB8AC3E}">
@@ -11766,6 +12583,35 @@
           </a:p>
         </p:txBody>
       </p:sp>
+      <p:sp>
+        <p:nvSpPr>
+          <p:cNvPr id="4" name="Segnaposto numero diapositiva 3">
+            <a:extLst>
+              <a:ext uri="{FF2B5EF4-FFF2-40B4-BE49-F238E27FC236}">
+                <a16:creationId xmlns:a16="http://schemas.microsoft.com/office/drawing/2014/main" id="{8423C2A2-5937-7809-E4CC-4A0F62FCD933}"/>
+              </a:ext>
+            </a:extLst>
+          </p:cNvPr>
+          <p:cNvSpPr>
+            <a:spLocks noGrp="1"/>
+          </p:cNvSpPr>
+          <p:nvPr>
+            <p:ph type="sldNum" sz="quarter" idx="12"/>
+          </p:nvPr>
+        </p:nvSpPr>
+        <p:spPr/>
+        <p:txBody>
+          <a:bodyPr/>
+          <a:lstStyle/>
+          <a:p>
+            <a:fld id="{56E4E576-B3B0-4F31-AB19-2292122F2AB4}" type="slidenum">
+              <a:rPr lang="en-US" smtClean="0"/>
+              <a:t>4</a:t>
+            </a:fld>
+            <a:endParaRPr lang="en-US"/>
+          </a:p>
+        </p:txBody>
+      </p:sp>
     </p:spTree>
     <p:extLst>
       <p:ext uri="{BB962C8B-B14F-4D97-AF65-F5344CB8AC3E}">
@@ -12269,6 +13115,35 @@
           </a:p>
         </p:txBody>
       </p:sp>
+      <p:sp>
+        <p:nvSpPr>
+          <p:cNvPr id="4" name="Segnaposto numero diapositiva 3">
+            <a:extLst>
+              <a:ext uri="{FF2B5EF4-FFF2-40B4-BE49-F238E27FC236}">
+                <a16:creationId xmlns:a16="http://schemas.microsoft.com/office/drawing/2014/main" id="{6CFE466B-79E9-D0AF-CA2C-DFFE31BDADE2}"/>
+              </a:ext>
+            </a:extLst>
+          </p:cNvPr>
+          <p:cNvSpPr>
+            <a:spLocks noGrp="1"/>
+          </p:cNvSpPr>
+          <p:nvPr>
+            <p:ph type="sldNum" sz="quarter" idx="12"/>
+          </p:nvPr>
+        </p:nvSpPr>
+        <p:spPr/>
+        <p:txBody>
+          <a:bodyPr/>
+          <a:lstStyle/>
+          <a:p>
+            <a:fld id="{56E4E576-B3B0-4F31-AB19-2292122F2AB4}" type="slidenum">
+              <a:rPr lang="en-US" smtClean="0"/>
+              <a:t>5</a:t>
+            </a:fld>
+            <a:endParaRPr lang="en-US"/>
+          </a:p>
+        </p:txBody>
+      </p:sp>
     </p:spTree>
     <p:extLst>
       <p:ext uri="{BB962C8B-B14F-4D97-AF65-F5344CB8AC3E}">
@@ -12800,6 +13675,35 @@
           </a:p>
         </p:txBody>
       </p:sp>
+      <p:sp>
+        <p:nvSpPr>
+          <p:cNvPr id="4" name="Segnaposto numero diapositiva 3">
+            <a:extLst>
+              <a:ext uri="{FF2B5EF4-FFF2-40B4-BE49-F238E27FC236}">
+                <a16:creationId xmlns:a16="http://schemas.microsoft.com/office/drawing/2014/main" id="{DFB75F0B-D6A0-F299-46A7-7C10B55F3556}"/>
+              </a:ext>
+            </a:extLst>
+          </p:cNvPr>
+          <p:cNvSpPr>
+            <a:spLocks noGrp="1"/>
+          </p:cNvSpPr>
+          <p:nvPr>
+            <p:ph type="sldNum" sz="quarter" idx="12"/>
+          </p:nvPr>
+        </p:nvSpPr>
+        <p:spPr/>
+        <p:txBody>
+          <a:bodyPr/>
+          <a:lstStyle/>
+          <a:p>
+            <a:fld id="{56E4E576-B3B0-4F31-AB19-2292122F2AB4}" type="slidenum">
+              <a:rPr lang="en-US" smtClean="0"/>
+              <a:t>6</a:t>
+            </a:fld>
+            <a:endParaRPr lang="en-US"/>
+          </a:p>
+        </p:txBody>
+      </p:sp>
     </p:spTree>
     <p:extLst>
       <p:ext uri="{BB962C8B-B14F-4D97-AF65-F5344CB8AC3E}">
@@ -13097,6 +14001,35 @@
           </a:p>
         </p:txBody>
       </p:sp>
+      <p:sp>
+        <p:nvSpPr>
+          <p:cNvPr id="4" name="Segnaposto numero diapositiva 3">
+            <a:extLst>
+              <a:ext uri="{FF2B5EF4-FFF2-40B4-BE49-F238E27FC236}">
+                <a16:creationId xmlns:a16="http://schemas.microsoft.com/office/drawing/2014/main" id="{27C6874B-D748-40CB-5988-8505D58AC187}"/>
+              </a:ext>
+            </a:extLst>
+          </p:cNvPr>
+          <p:cNvSpPr>
+            <a:spLocks noGrp="1"/>
+          </p:cNvSpPr>
+          <p:nvPr>
+            <p:ph type="sldNum" sz="quarter" idx="12"/>
+          </p:nvPr>
+        </p:nvSpPr>
+        <p:spPr/>
+        <p:txBody>
+          <a:bodyPr/>
+          <a:lstStyle/>
+          <a:p>
+            <a:fld id="{56E4E576-B3B0-4F31-AB19-2292122F2AB4}" type="slidenum">
+              <a:rPr lang="en-US" smtClean="0"/>
+              <a:t>7</a:t>
+            </a:fld>
+            <a:endParaRPr lang="en-US"/>
+          </a:p>
+        </p:txBody>
+      </p:sp>
     </p:spTree>
     <p:extLst>
       <p:ext uri="{BB962C8B-B14F-4D97-AF65-F5344CB8AC3E}">
@@ -13399,6 +14332,35 @@
           </a:p>
         </p:txBody>
       </p:sp>
+      <p:sp>
+        <p:nvSpPr>
+          <p:cNvPr id="4" name="Segnaposto numero diapositiva 3">
+            <a:extLst>
+              <a:ext uri="{FF2B5EF4-FFF2-40B4-BE49-F238E27FC236}">
+                <a16:creationId xmlns:a16="http://schemas.microsoft.com/office/drawing/2014/main" id="{C2517B35-8520-F783-1EF3-7B5B8F5522DC}"/>
+              </a:ext>
+            </a:extLst>
+          </p:cNvPr>
+          <p:cNvSpPr>
+            <a:spLocks noGrp="1"/>
+          </p:cNvSpPr>
+          <p:nvPr>
+            <p:ph type="sldNum" sz="quarter" idx="12"/>
+          </p:nvPr>
+        </p:nvSpPr>
+        <p:spPr/>
+        <p:txBody>
+          <a:bodyPr/>
+          <a:lstStyle/>
+          <a:p>
+            <a:fld id="{56E4E576-B3B0-4F31-AB19-2292122F2AB4}" type="slidenum">
+              <a:rPr lang="en-US" smtClean="0"/>
+              <a:t>8</a:t>
+            </a:fld>
+            <a:endParaRPr lang="en-US"/>
+          </a:p>
+        </p:txBody>
+      </p:sp>
     </p:spTree>
     <p:extLst>
       <p:ext uri="{BB962C8B-B14F-4D97-AF65-F5344CB8AC3E}">
@@ -13969,6 +14931,35 @@
                 <a:srgbClr val="000000"/>
               </a:solidFill>
             </a:endParaRPr>
+          </a:p>
+        </p:txBody>
+      </p:sp>
+      <p:sp>
+        <p:nvSpPr>
+          <p:cNvPr id="4" name="Segnaposto numero diapositiva 3">
+            <a:extLst>
+              <a:ext uri="{FF2B5EF4-FFF2-40B4-BE49-F238E27FC236}">
+                <a16:creationId xmlns:a16="http://schemas.microsoft.com/office/drawing/2014/main" id="{F9C7215F-FBCE-723B-944C-BE0F48F67830}"/>
+              </a:ext>
+            </a:extLst>
+          </p:cNvPr>
+          <p:cNvSpPr>
+            <a:spLocks noGrp="1"/>
+          </p:cNvSpPr>
+          <p:nvPr>
+            <p:ph type="sldNum" sz="quarter" idx="12"/>
+          </p:nvPr>
+        </p:nvSpPr>
+        <p:spPr/>
+        <p:txBody>
+          <a:bodyPr/>
+          <a:lstStyle/>
+          <a:p>
+            <a:fld id="{56E4E576-B3B0-4F31-AB19-2292122F2AB4}" type="slidenum">
+              <a:rPr lang="en-US" smtClean="0"/>
+              <a:t>9</a:t>
+            </a:fld>
+            <a:endParaRPr lang="en-US"/>
           </a:p>
         </p:txBody>
       </p:sp>
@@ -14241,4 +15232,299 @@
     </a:ext>
   </a:extLst>
 </a:theme>
+</file>
+
+<file path=ppt/theme/theme2.xml><?xml version="1.0" encoding="utf-8"?>
+<a:theme xmlns:a="http://schemas.openxmlformats.org/drawingml/2006/main" name="Tema di Office">
+  <a:themeElements>
+    <a:clrScheme name="Office">
+      <a:dk1>
+        <a:sysClr val="windowText" lastClr="000000"/>
+      </a:dk1>
+      <a:lt1>
+        <a:sysClr val="window" lastClr="FFFFFF"/>
+      </a:lt1>
+      <a:dk2>
+        <a:srgbClr val="44546A"/>
+      </a:dk2>
+      <a:lt2>
+        <a:srgbClr val="E7E6E6"/>
+      </a:lt2>
+      <a:accent1>
+        <a:srgbClr val="4472C4"/>
+      </a:accent1>
+      <a:accent2>
+        <a:srgbClr val="ED7D31"/>
+      </a:accent2>
+      <a:accent3>
+        <a:srgbClr val="A5A5A5"/>
+      </a:accent3>
+      <a:accent4>
+        <a:srgbClr val="FFC000"/>
+      </a:accent4>
+      <a:accent5>
+        <a:srgbClr val="5B9BD5"/>
+      </a:accent5>
+      <a:accent6>
+        <a:srgbClr val="70AD47"/>
+      </a:accent6>
+      <a:hlink>
+        <a:srgbClr val="0563C1"/>
+      </a:hlink>
+      <a:folHlink>
+        <a:srgbClr val="954F72"/>
+      </a:folHlink>
+    </a:clrScheme>
+    <a:fontScheme name="Office">
+      <a:majorFont>
+        <a:latin typeface="Calibri Light" panose="020F0302020204030204"/>
+        <a:ea typeface=""/>
+        <a:cs typeface=""/>
+        <a:font script="Jpan" typeface="游ゴシック Light"/>
+        <a:font script="Hang" typeface="맑은 고딕"/>
+        <a:font script="Hans" typeface="等线 Light"/>
+        <a:font script="Hant" typeface="新細明體"/>
+        <a:font script="Arab" typeface="Times New Roman"/>
+        <a:font script="Hebr" typeface="Times New Roman"/>
+        <a:font script="Thai" typeface="Angsana New"/>
+        <a:font script="Ethi" typeface="Nyala"/>
+        <a:font script="Beng" typeface="Vrinda"/>
+        <a:font script="Gujr" typeface="Shruti"/>
+        <a:font script="Khmr" typeface="MoolBoran"/>
+        <a:font script="Knda" typeface="Tunga"/>
+        <a:font script="Guru" typeface="Raavi"/>
+        <a:font script="Cans" typeface="Euphemia"/>
+        <a:font script="Cher" typeface="Plantagenet Cherokee"/>
+        <a:font script="Yiii" typeface="Microsoft Yi Baiti"/>
+        <a:font script="Tibt" typeface="Microsoft Himalaya"/>
+        <a:font script="Thaa" typeface="MV Boli"/>
+        <a:font script="Deva" typeface="Mangal"/>
+        <a:font script="Telu" typeface="Gautami"/>
+        <a:font script="Taml" typeface="Latha"/>
+        <a:font script="Syrc" typeface="Estrangelo Edessa"/>
+        <a:font script="Orya" typeface="Kalinga"/>
+        <a:font script="Mlym" typeface="Kartika"/>
+        <a:font script="Laoo" typeface="DokChampa"/>
+        <a:font script="Sinh" typeface="Iskoola Pota"/>
+        <a:font script="Mong" typeface="Mongolian Baiti"/>
+        <a:font script="Viet" typeface="Times New Roman"/>
+        <a:font script="Uigh" typeface="Microsoft Uighur"/>
+        <a:font script="Geor" typeface="Sylfaen"/>
+        <a:font script="Armn" typeface="Arial"/>
+        <a:font script="Bugi" typeface="Leelawadee UI"/>
+        <a:font script="Bopo" typeface="Microsoft JhengHei"/>
+        <a:font script="Java" typeface="Javanese Text"/>
+        <a:font script="Lisu" typeface="Segoe UI"/>
+        <a:font script="Mymr" typeface="Myanmar Text"/>
+        <a:font script="Nkoo" typeface="Ebrima"/>
+        <a:font script="Olck" typeface="Nirmala UI"/>
+        <a:font script="Osma" typeface="Ebrima"/>
+        <a:font script="Phag" typeface="Phagspa"/>
+        <a:font script="Syrn" typeface="Estrangelo Edessa"/>
+        <a:font script="Syrj" typeface="Estrangelo Edessa"/>
+        <a:font script="Syre" typeface="Estrangelo Edessa"/>
+        <a:font script="Sora" typeface="Nirmala UI"/>
+        <a:font script="Tale" typeface="Microsoft Tai Le"/>
+        <a:font script="Talu" typeface="Microsoft New Tai Lue"/>
+        <a:font script="Tfng" typeface="Ebrima"/>
+      </a:majorFont>
+      <a:minorFont>
+        <a:latin typeface="Calibri" panose="020F0502020204030204"/>
+        <a:ea typeface=""/>
+        <a:cs typeface=""/>
+        <a:font script="Jpan" typeface="游ゴシック"/>
+        <a:font script="Hang" typeface="맑은 고딕"/>
+        <a:font script="Hans" typeface="等线"/>
+        <a:font script="Hant" typeface="新細明體"/>
+        <a:font script="Arab" typeface="Arial"/>
+        <a:font script="Hebr" typeface="Arial"/>
+        <a:font script="Thai" typeface="Cordia New"/>
+        <a:font script="Ethi" typeface="Nyala"/>
+        <a:font script="Beng" typeface="Vrinda"/>
+        <a:font script="Gujr" typeface="Shruti"/>
+        <a:font script="Khmr" typeface="DaunPenh"/>
+        <a:font script="Knda" typeface="Tunga"/>
+        <a:font script="Guru" typeface="Raavi"/>
+        <a:font script="Cans" typeface="Euphemia"/>
+        <a:font script="Cher" typeface="Plantagenet Cherokee"/>
+        <a:font script="Yiii" typeface="Microsoft Yi Baiti"/>
+        <a:font script="Tibt" typeface="Microsoft Himalaya"/>
+        <a:font script="Thaa" typeface="MV Boli"/>
+        <a:font script="Deva" typeface="Mangal"/>
+        <a:font script="Telu" typeface="Gautami"/>
+        <a:font script="Taml" typeface="Latha"/>
+        <a:font script="Syrc" typeface="Estrangelo Edessa"/>
+        <a:font script="Orya" typeface="Kalinga"/>
+        <a:font script="Mlym" typeface="Kartika"/>
+        <a:font script="Laoo" typeface="DokChampa"/>
+        <a:font script="Sinh" typeface="Iskoola Pota"/>
+        <a:font script="Mong" typeface="Mongolian Baiti"/>
+        <a:font script="Viet" typeface="Arial"/>
+        <a:font script="Uigh" typeface="Microsoft Uighur"/>
+        <a:font script="Geor" typeface="Sylfaen"/>
+        <a:font script="Armn" typeface="Arial"/>
+        <a:font script="Bugi" typeface="Leelawadee UI"/>
+        <a:font script="Bopo" typeface="Microsoft JhengHei"/>
+        <a:font script="Java" typeface="Javanese Text"/>
+        <a:font script="Lisu" typeface="Segoe UI"/>
+        <a:font script="Mymr" typeface="Myanmar Text"/>
+        <a:font script="Nkoo" typeface="Ebrima"/>
+        <a:font script="Olck" typeface="Nirmala UI"/>
+        <a:font script="Osma" typeface="Ebrima"/>
+        <a:font script="Phag" typeface="Phagspa"/>
+        <a:font script="Syrn" typeface="Estrangelo Edessa"/>
+        <a:font script="Syrj" typeface="Estrangelo Edessa"/>
+        <a:font script="Syre" typeface="Estrangelo Edessa"/>
+        <a:font script="Sora" typeface="Nirmala UI"/>
+        <a:font script="Tale" typeface="Microsoft Tai Le"/>
+        <a:font script="Talu" typeface="Microsoft New Tai Lue"/>
+        <a:font script="Tfng" typeface="Ebrima"/>
+      </a:minorFont>
+    </a:fontScheme>
+    <a:fmtScheme name="Office">
+      <a:fillStyleLst>
+        <a:solidFill>
+          <a:schemeClr val="phClr"/>
+        </a:solidFill>
+        <a:gradFill rotWithShape="1">
+          <a:gsLst>
+            <a:gs pos="0">
+              <a:schemeClr val="phClr">
+                <a:lumMod val="110000"/>
+                <a:satMod val="105000"/>
+                <a:tint val="67000"/>
+              </a:schemeClr>
+            </a:gs>
+            <a:gs pos="50000">
+              <a:schemeClr val="phClr">
+                <a:lumMod val="105000"/>
+                <a:satMod val="103000"/>
+                <a:tint val="73000"/>
+              </a:schemeClr>
+            </a:gs>
+            <a:gs pos="100000">
+              <a:schemeClr val="phClr">
+                <a:lumMod val="105000"/>
+                <a:satMod val="109000"/>
+                <a:tint val="81000"/>
+              </a:schemeClr>
+            </a:gs>
+          </a:gsLst>
+          <a:lin ang="5400000" scaled="0"/>
+        </a:gradFill>
+        <a:gradFill rotWithShape="1">
+          <a:gsLst>
+            <a:gs pos="0">
+              <a:schemeClr val="phClr">
+                <a:satMod val="103000"/>
+                <a:lumMod val="102000"/>
+                <a:tint val="94000"/>
+              </a:schemeClr>
+            </a:gs>
+            <a:gs pos="50000">
+              <a:schemeClr val="phClr">
+                <a:satMod val="110000"/>
+                <a:lumMod val="100000"/>
+                <a:shade val="100000"/>
+              </a:schemeClr>
+            </a:gs>
+            <a:gs pos="100000">
+              <a:schemeClr val="phClr">
+                <a:lumMod val="99000"/>
+                <a:satMod val="120000"/>
+                <a:shade val="78000"/>
+              </a:schemeClr>
+            </a:gs>
+          </a:gsLst>
+          <a:lin ang="5400000" scaled="0"/>
+        </a:gradFill>
+      </a:fillStyleLst>
+      <a:lnStyleLst>
+        <a:ln w="6350" cap="flat" cmpd="sng" algn="ctr">
+          <a:solidFill>
+            <a:schemeClr val="phClr"/>
+          </a:solidFill>
+          <a:prstDash val="solid"/>
+          <a:miter lim="800000"/>
+        </a:ln>
+        <a:ln w="12700" cap="flat" cmpd="sng" algn="ctr">
+          <a:solidFill>
+            <a:schemeClr val="phClr"/>
+          </a:solidFill>
+          <a:prstDash val="solid"/>
+          <a:miter lim="800000"/>
+        </a:ln>
+        <a:ln w="19050" cap="flat" cmpd="sng" algn="ctr">
+          <a:solidFill>
+            <a:schemeClr val="phClr"/>
+          </a:solidFill>
+          <a:prstDash val="solid"/>
+          <a:miter lim="800000"/>
+        </a:ln>
+      </a:lnStyleLst>
+      <a:effectStyleLst>
+        <a:effectStyle>
+          <a:effectLst/>
+        </a:effectStyle>
+        <a:effectStyle>
+          <a:effectLst/>
+        </a:effectStyle>
+        <a:effectStyle>
+          <a:effectLst>
+            <a:outerShdw blurRad="57150" dist="19050" dir="5400000" algn="ctr" rotWithShape="0">
+              <a:srgbClr val="000000">
+                <a:alpha val="63000"/>
+              </a:srgbClr>
+            </a:outerShdw>
+          </a:effectLst>
+        </a:effectStyle>
+      </a:effectStyleLst>
+      <a:bgFillStyleLst>
+        <a:solidFill>
+          <a:schemeClr val="phClr"/>
+        </a:solidFill>
+        <a:solidFill>
+          <a:schemeClr val="phClr">
+            <a:tint val="95000"/>
+            <a:satMod val="170000"/>
+          </a:schemeClr>
+        </a:solidFill>
+        <a:gradFill rotWithShape="1">
+          <a:gsLst>
+            <a:gs pos="0">
+              <a:schemeClr val="phClr">
+                <a:tint val="93000"/>
+                <a:satMod val="150000"/>
+                <a:shade val="98000"/>
+                <a:lumMod val="102000"/>
+              </a:schemeClr>
+            </a:gs>
+            <a:gs pos="50000">
+              <a:schemeClr val="phClr">
+                <a:tint val="98000"/>
+                <a:satMod val="130000"/>
+                <a:shade val="90000"/>
+                <a:lumMod val="103000"/>
+              </a:schemeClr>
+            </a:gs>
+            <a:gs pos="100000">
+              <a:schemeClr val="phClr">
+                <a:shade val="63000"/>
+                <a:satMod val="120000"/>
+              </a:schemeClr>
+            </a:gs>
+          </a:gsLst>
+          <a:lin ang="5400000" scaled="0"/>
+        </a:gradFill>
+      </a:bgFillStyleLst>
+    </a:fmtScheme>
+  </a:themeElements>
+  <a:objectDefaults/>
+  <a:extraClrSchemeLst/>
+  <a:extLst>
+    <a:ext uri="{05A4C25C-085E-4340-85A3-A5531E510DB2}">
+      <thm15:themeFamily xmlns:thm15="http://schemas.microsoft.com/office/thememl/2012/main" name="Office Theme" id="{62F939B6-93AF-4DB8-9C6B-D6C7DFDC589F}" vid="{4A3C46E8-61CC-4603-A589-7422A47A8E4A}"/>
+    </a:ext>
+  </a:extLst>
+</a:theme>
 </file>